--- a/习概.pptx
+++ b/习概.pptx
@@ -8,10 +8,12 @@
     <p:sldId id="256" r:id="rId2"/>
     <p:sldId id="260" r:id="rId3"/>
     <p:sldId id="257" r:id="rId4"/>
-    <p:sldId id="258" r:id="rId5"/>
-    <p:sldId id="259" r:id="rId6"/>
-    <p:sldId id="261" r:id="rId7"/>
-    <p:sldId id="262" r:id="rId8"/>
+    <p:sldId id="263" r:id="rId5"/>
+    <p:sldId id="258" r:id="rId6"/>
+    <p:sldId id="264" r:id="rId7"/>
+    <p:sldId id="259" r:id="rId8"/>
+    <p:sldId id="261" r:id="rId9"/>
+    <p:sldId id="262" r:id="rId10"/>
   </p:sldIdLst>
   <p:sldSz cx="12192000" cy="6858000"/>
   <p:notesSz cx="6858000" cy="9144000"/>
@@ -3531,7 +3533,7 @@
         <p:spPr>
           <a:xfrm>
             <a:off x="402608" y="777923"/>
-            <a:ext cx="6339385" cy="830997"/>
+            <a:ext cx="6339385" cy="1200329"/>
           </a:xfrm>
           <a:prstGeom prst="rect">
             <a:avLst/>
@@ -3552,7 +3554,7 @@
                 <a:latin typeface="楷体" panose="02010609060101010101" pitchFamily="49" charset="-122"/>
                 <a:ea typeface="楷体" panose="02010609060101010101" pitchFamily="49" charset="-122"/>
               </a:rPr>
-              <a:t>我与新时代的故事，前半段关乎成长和感恩，后半段则必然关乎责任与担当</a:t>
+              <a:t>若说以往的篇章书写的是成长与感恩的底色，那么此后的篇章，注定要以责任与担当为最亮的主旋律</a:t>
             </a:r>
           </a:p>
         </p:txBody>
@@ -3571,8 +3573,8 @@
         </p:nvSpPr>
         <p:spPr>
           <a:xfrm rot="10800000" flipV="1">
-            <a:off x="7222718" y="3387382"/>
-            <a:ext cx="4650834" cy="2554545"/>
+            <a:off x="6802757" y="3387382"/>
+            <a:ext cx="5070795" cy="2554545"/>
           </a:xfrm>
           <a:prstGeom prst="rect">
             <a:avLst/>
@@ -3593,7 +3595,7 @@
                 <a:latin typeface="楷体" panose="02010609060101010101" pitchFamily="49" charset="-122"/>
                 <a:ea typeface="楷体" panose="02010609060101010101" pitchFamily="49" charset="-122"/>
               </a:rPr>
-              <a:t>我们脚下的路，由前人铺就</a:t>
+              <a:t>我们脚下的路，是前人用一砖一瓦铺就的</a:t>
             </a:r>
             <a:endParaRPr lang="en-US" altLang="zh-CN" sz="2000" dirty="0">
               <a:solidFill>
@@ -3621,7 +3623,7 @@
                 <a:latin typeface="楷体" panose="02010609060101010101" pitchFamily="49" charset="-122"/>
                 <a:ea typeface="楷体" panose="02010609060101010101" pitchFamily="49" charset="-122"/>
               </a:rPr>
-              <a:t>我们享受的便利，由无数建设者用汗水甚至生命奋斗而来</a:t>
+              <a:t>我们享受的便利，是无数建设者以汗水，甚至生命换来的</a:t>
             </a:r>
             <a:endParaRPr lang="en-US" altLang="zh-CN" sz="2000" dirty="0">
               <a:solidFill>
@@ -3649,26 +3651,7 @@
                 <a:latin typeface="楷体" panose="02010609060101010101" pitchFamily="49" charset="-122"/>
                 <a:ea typeface="楷体" panose="02010609060101010101" pitchFamily="49" charset="-122"/>
               </a:rPr>
-              <a:t>通往未来的路，自然由我们来开拓</a:t>
-            </a:r>
-            <a:endParaRPr lang="en-US" altLang="zh-CN" sz="2000" dirty="0">
-              <a:solidFill>
-                <a:schemeClr val="bg1"/>
-              </a:solidFill>
-              <a:latin typeface="楷体" panose="02010609060101010101" pitchFamily="49" charset="-122"/>
-              <a:ea typeface="楷体" panose="02010609060101010101" pitchFamily="49" charset="-122"/>
-            </a:endParaRPr>
-          </a:p>
-          <a:p>
-            <a:r>
-              <a:rPr lang="zh-CN" altLang="en-US" sz="2000" dirty="0">
-                <a:solidFill>
-                  <a:schemeClr val="bg1"/>
-                </a:solidFill>
-                <a:latin typeface="楷体" panose="02010609060101010101" pitchFamily="49" charset="-122"/>
-                <a:ea typeface="楷体" panose="02010609060101010101" pitchFamily="49" charset="-122"/>
-              </a:rPr>
-              <a:t>下一个十年的新时代的故事，自然将由我们来开创</a:t>
+              <a:t>而通往未来的那条路，则必须由我们亲手去开拓，下一个十年的新时代故事，也终将由我们这一代来书写</a:t>
             </a:r>
           </a:p>
         </p:txBody>
@@ -3974,6 +3957,104 @@
     </p:bg>
     <p:spTree>
       <p:nvGrpSpPr>
+        <p:cNvPr id="1" name="">
+          <a:extLst>
+            <a:ext uri="{FF2B5EF4-FFF2-40B4-BE49-F238E27FC236}">
+              <a16:creationId xmlns:a16="http://schemas.microsoft.com/office/drawing/2014/main" id="{5C5776C6-BE4F-D0A5-57B5-084B904C2058}"/>
+            </a:ext>
+          </a:extLst>
+        </p:cNvPr>
+        <p:cNvGrpSpPr/>
+        <p:nvPr/>
+      </p:nvGrpSpPr>
+      <p:grpSpPr>
+        <a:xfrm>
+          <a:off x="0" y="0"/>
+          <a:ext cx="0" cy="0"/>
+          <a:chOff x="0" y="0"/>
+          <a:chExt cx="0" cy="0"/>
+        </a:xfrm>
+      </p:grpSpPr>
+      <p:sp>
+        <p:nvSpPr>
+          <p:cNvPr id="5" name="文本框 4">
+            <a:extLst>
+              <a:ext uri="{FF2B5EF4-FFF2-40B4-BE49-F238E27FC236}">
+                <a16:creationId xmlns:a16="http://schemas.microsoft.com/office/drawing/2014/main" id="{5021E815-A778-D8C0-82FE-F993AB7F2AB9}"/>
+              </a:ext>
+            </a:extLst>
+          </p:cNvPr>
+          <p:cNvSpPr txBox="1"/>
+          <p:nvPr/>
+        </p:nvSpPr>
+        <p:spPr>
+          <a:xfrm>
+            <a:off x="2717663" y="2844713"/>
+            <a:ext cx="7258639" cy="2862322"/>
+          </a:xfrm>
+          <a:prstGeom prst="rect">
+            <a:avLst/>
+          </a:prstGeom>
+          <a:noFill/>
+        </p:spPr>
+        <p:txBody>
+          <a:bodyPr wrap="square" rtlCol="0">
+            <a:spAutoFit/>
+          </a:bodyPr>
+          <a:lstStyle/>
+          <a:p>
+            <a:r>
+              <a:rPr lang="zh-CN" altLang="en-US" sz="3600" dirty="0">
+                <a:solidFill>
+                  <a:schemeClr val="bg1"/>
+                </a:solidFill>
+                <a:latin typeface="楷体" panose="02010609060101010101" pitchFamily="49" charset="-122"/>
+                <a:ea typeface="楷体" panose="02010609060101010101" pitchFamily="49" charset="-122"/>
+              </a:rPr>
+              <a:t>谈到“责任”与“担当”，许多人会觉得这些词有些宏大、抽象，甚至离自己有点遥远。我们也常常会疑惑：责任，究竟是什么时候真正落在了我们的肩上（建议放前面）</a:t>
+            </a:r>
+            <a:endParaRPr lang="en-US" altLang="zh-CN" sz="3600" dirty="0">
+              <a:solidFill>
+                <a:schemeClr val="bg1"/>
+              </a:solidFill>
+              <a:latin typeface="楷体" panose="02010609060101010101" pitchFamily="49" charset="-122"/>
+              <a:ea typeface="楷体" panose="02010609060101010101" pitchFamily="49" charset="-122"/>
+            </a:endParaRPr>
+          </a:p>
+        </p:txBody>
+      </p:sp>
+    </p:spTree>
+    <p:extLst>
+      <p:ext uri="{BB962C8B-B14F-4D97-AF65-F5344CB8AC3E}">
+        <p14:creationId xmlns:p14="http://schemas.microsoft.com/office/powerpoint/2010/main" val="1551917230"/>
+      </p:ext>
+    </p:extLst>
+  </p:cSld>
+  <p:clrMapOvr>
+    <a:masterClrMapping/>
+  </p:clrMapOvr>
+</p:sld>
+</file>
+
+<file path=ppt/slides/slide5.xml><?xml version="1.0" encoding="utf-8"?>
+<p:sld xmlns:a="http://schemas.openxmlformats.org/drawingml/2006/main" xmlns:r="http://schemas.openxmlformats.org/officeDocument/2006/relationships" xmlns:p="http://schemas.openxmlformats.org/presentationml/2006/main">
+  <p:cSld>
+    <p:bg>
+      <p:bgPr>
+        <a:blipFill dpi="0" rotWithShape="1">
+          <a:blip r:embed="rId2">
+            <a:lum/>
+          </a:blip>
+          <a:srcRect/>
+          <a:stretch>
+            <a:fillRect/>
+          </a:stretch>
+        </a:blipFill>
+        <a:effectLst/>
+      </p:bgPr>
+    </p:bg>
+    <p:spTree>
+      <p:nvGrpSpPr>
         <p:cNvPr id="1" name=""/>
         <p:cNvGrpSpPr/>
         <p:nvPr/>
@@ -4001,7 +4082,7 @@
         <p:spPr>
           <a:xfrm>
             <a:off x="264696" y="470433"/>
-            <a:ext cx="6208294" cy="923330"/>
+            <a:ext cx="6415352" cy="646331"/>
           </a:xfrm>
           <a:prstGeom prst="rect">
             <a:avLst/>
@@ -4022,7 +4103,7 @@
                 <a:latin typeface="楷体" panose="02010609060101010101" pitchFamily="49" charset="-122"/>
                 <a:ea typeface="楷体" panose="02010609060101010101" pitchFamily="49" charset="-122"/>
               </a:rPr>
-              <a:t>谈及责任与担当，我们通常觉得这个词汇有些宏大，我们可能也很少感受到什么时候，责任真正的落于我们肩头。</a:t>
+              <a:t>其实，书写新时代故事的责任，从未远离，它一直活生生地存在于我们身边</a:t>
             </a:r>
             <a:endParaRPr lang="en-US" altLang="zh-CN" dirty="0">
               <a:solidFill>
@@ -4032,6 +4113,35 @@
               <a:ea typeface="楷体" panose="02010609060101010101" pitchFamily="49" charset="-122"/>
             </a:endParaRPr>
           </a:p>
+        </p:txBody>
+      </p:sp>
+      <p:sp>
+        <p:nvSpPr>
+          <p:cNvPr id="3" name="文本框 2">
+            <a:extLst>
+              <a:ext uri="{FF2B5EF4-FFF2-40B4-BE49-F238E27FC236}">
+                <a16:creationId xmlns:a16="http://schemas.microsoft.com/office/drawing/2014/main" id="{9BE994B8-FA7D-6378-700B-FB81FBD77B05}"/>
+              </a:ext>
+            </a:extLst>
+          </p:cNvPr>
+          <p:cNvSpPr txBox="1"/>
+          <p:nvPr/>
+        </p:nvSpPr>
+        <p:spPr>
+          <a:xfrm>
+            <a:off x="2082122" y="5527325"/>
+            <a:ext cx="4013878" cy="646331"/>
+          </a:xfrm>
+          <a:prstGeom prst="rect">
+            <a:avLst/>
+          </a:prstGeom>
+          <a:noFill/>
+        </p:spPr>
+        <p:txBody>
+          <a:bodyPr wrap="square" rtlCol="0">
+            <a:spAutoFit/>
+          </a:bodyPr>
+          <a:lstStyle/>
           <a:p>
             <a:r>
               <a:rPr lang="zh-CN" altLang="en-US" dirty="0">
@@ -4041,55 +4151,7 @@
                 <a:latin typeface="楷体" panose="02010609060101010101" pitchFamily="49" charset="-122"/>
                 <a:ea typeface="楷体" panose="02010609060101010101" pitchFamily="49" charset="-122"/>
               </a:rPr>
-              <a:t>但是，其实书写新时代故事的责任，一直存在于我们身边</a:t>
-            </a:r>
-            <a:endParaRPr lang="en-US" altLang="zh-CN" dirty="0">
-              <a:solidFill>
-                <a:schemeClr val="bg1"/>
-              </a:solidFill>
-              <a:latin typeface="楷体" panose="02010609060101010101" pitchFamily="49" charset="-122"/>
-              <a:ea typeface="楷体" panose="02010609060101010101" pitchFamily="49" charset="-122"/>
-            </a:endParaRPr>
-          </a:p>
-        </p:txBody>
-      </p:sp>
-      <p:sp>
-        <p:nvSpPr>
-          <p:cNvPr id="3" name="文本框 2">
-            <a:extLst>
-              <a:ext uri="{FF2B5EF4-FFF2-40B4-BE49-F238E27FC236}">
-                <a16:creationId xmlns:a16="http://schemas.microsoft.com/office/drawing/2014/main" id="{9BE994B8-FA7D-6378-700B-FB81FBD77B05}"/>
-              </a:ext>
-            </a:extLst>
-          </p:cNvPr>
-          <p:cNvSpPr txBox="1"/>
-          <p:nvPr/>
-        </p:nvSpPr>
-        <p:spPr>
-          <a:xfrm>
-            <a:off x="2082122" y="5527325"/>
-            <a:ext cx="4013878" cy="923330"/>
-          </a:xfrm>
-          <a:prstGeom prst="rect">
-            <a:avLst/>
-          </a:prstGeom>
-          <a:noFill/>
-        </p:spPr>
-        <p:txBody>
-          <a:bodyPr wrap="square" rtlCol="0">
-            <a:spAutoFit/>
-          </a:bodyPr>
-          <a:lstStyle/>
-          <a:p>
-            <a:r>
-              <a:rPr lang="zh-CN" altLang="en-US" dirty="0">
-                <a:solidFill>
-                  <a:schemeClr val="bg1"/>
-                </a:solidFill>
-                <a:latin typeface="楷体" panose="02010609060101010101" pitchFamily="49" charset="-122"/>
-                <a:ea typeface="楷体" panose="02010609060101010101" pitchFamily="49" charset="-122"/>
-              </a:rPr>
-              <a:t>又或者说，那些在其他岗位上默默奉献着的人们，他们都承担了新时代的责任，书写着新时代的故事</a:t>
+              <a:t>也是无数在普通岗位上默默坚守、默默奉献的人们</a:t>
             </a:r>
             <a:endParaRPr lang="en-US" altLang="zh-CN" dirty="0">
               <a:solidFill>
@@ -4227,7 +4289,7 @@
                 <a:latin typeface="楷体" panose="02010609060101010101" pitchFamily="49" charset="-122"/>
                 <a:ea typeface="楷体" panose="02010609060101010101" pitchFamily="49" charset="-122"/>
               </a:rPr>
-              <a:t>不管是疫情期间无数青年医务工作者驰援武汉</a:t>
+              <a:t>是疫情期间，星夜驰援武汉的青年医务工作者</a:t>
             </a:r>
             <a:endParaRPr lang="en-US" altLang="zh-CN" dirty="0">
               <a:solidFill>
@@ -4254,7 +4316,7 @@
         <p:spPr>
           <a:xfrm>
             <a:off x="4614977" y="4257680"/>
-            <a:ext cx="3771332" cy="369332"/>
+            <a:ext cx="3771332" cy="646331"/>
           </a:xfrm>
           <a:prstGeom prst="rect">
             <a:avLst/>
@@ -4275,7 +4337,7 @@
                 <a:latin typeface="楷体" panose="02010609060101010101" pitchFamily="49" charset="-122"/>
                 <a:ea typeface="楷体" panose="02010609060101010101" pitchFamily="49" charset="-122"/>
               </a:rPr>
-              <a:t>还是在边关戍守国境的年轻战士</a:t>
+              <a:t>是边关线上，日夜戍守国门的年轻战士</a:t>
             </a:r>
             <a:endParaRPr lang="en-US" altLang="zh-CN" dirty="0">
               <a:solidFill>
@@ -4323,7 +4385,7 @@
                 <a:latin typeface="楷体" panose="02010609060101010101" pitchFamily="49" charset="-122"/>
                 <a:ea typeface="楷体" panose="02010609060101010101" pitchFamily="49" charset="-122"/>
               </a:rPr>
-              <a:t>又或者是那些自主创业，自立自强的极客创客</a:t>
+              <a:t>是埋头实验室、创业车间的“极客”和“创客”</a:t>
             </a:r>
             <a:endParaRPr lang="en-US" altLang="zh-CN" dirty="0">
               <a:solidFill>
@@ -4437,49 +4499,6 @@
                                   </p:childTnLst>
                                 </p:cTn>
                               </p:par>
-                              <p:par>
-                                <p:cTn id="8" presetID="10" presetClass="entr" presetSubtype="0" fill="hold" nodeType="withEffect">
-                                  <p:stCondLst>
-                                    <p:cond delay="0"/>
-                                  </p:stCondLst>
-                                  <p:childTnLst>
-                                    <p:set>
-                                      <p:cBhvr>
-                                        <p:cTn id="9" dur="1" fill="hold">
-                                          <p:stCondLst>
-                                            <p:cond delay="0"/>
-                                          </p:stCondLst>
-                                        </p:cTn>
-                                        <p:tgtEl>
-                                          <p:spTgt spid="2">
-                                            <p:txEl>
-                                              <p:pRg st="1" end="1"/>
-                                            </p:txEl>
-                                          </p:spTgt>
-                                        </p:tgtEl>
-                                        <p:attrNameLst>
-                                          <p:attrName>style.visibility</p:attrName>
-                                        </p:attrNameLst>
-                                      </p:cBhvr>
-                                      <p:to>
-                                        <p:strVal val="visible"/>
-                                      </p:to>
-                                    </p:set>
-                                    <p:animEffect transition="in" filter="fade">
-                                      <p:cBhvr>
-                                        <p:cTn id="10" dur="500"/>
-                                        <p:tgtEl>
-                                          <p:spTgt spid="2">
-                                            <p:txEl>
-                                              <p:pRg st="1" end="1"/>
-                                            </p:txEl>
-                                          </p:spTgt>
-                                        </p:tgtEl>
-                                      </p:cBhvr>
-                                    </p:animEffect>
-                                  </p:childTnLst>
-                                </p:cTn>
-                              </p:par>
                             </p:childTnLst>
                           </p:cTn>
                         </p:par>
@@ -4487,26 +4506,26 @@
                     </p:cTn>
                   </p:par>
                   <p:par>
-                    <p:cTn id="11" fill="hold">
+                    <p:cTn id="8" fill="hold">
                       <p:stCondLst>
                         <p:cond delay="indefinite"/>
                       </p:stCondLst>
                       <p:childTnLst>
                         <p:par>
-                          <p:cTn id="12" fill="hold">
+                          <p:cTn id="9" fill="hold">
                             <p:stCondLst>
                               <p:cond delay="0"/>
                             </p:stCondLst>
                             <p:childTnLst>
                               <p:par>
-                                <p:cTn id="13" presetID="14" presetClass="entr" presetSubtype="10" fill="hold" nodeType="clickEffect">
+                                <p:cTn id="10" presetID="14" presetClass="entr" presetSubtype="10" fill="hold" nodeType="clickEffect">
                                   <p:stCondLst>
                                     <p:cond delay="0"/>
                                   </p:stCondLst>
                                   <p:childTnLst>
                                     <p:set>
                                       <p:cBhvr>
-                                        <p:cTn id="14" dur="1" fill="hold">
+                                        <p:cTn id="11" dur="1" fill="hold">
                                           <p:stCondLst>
                                             <p:cond delay="0"/>
                                           </p:stCondLst>
@@ -4524,7 +4543,7 @@
                                     </p:set>
                                     <p:animEffect transition="in" filter="randombar(horizontal)">
                                       <p:cBhvr>
-                                        <p:cTn id="15" dur="500"/>
+                                        <p:cTn id="12" dur="500"/>
                                         <p:tgtEl>
                                           <p:spTgt spid="5"/>
                                         </p:tgtEl>
@@ -4534,14 +4553,14 @@
                                 </p:cTn>
                               </p:par>
                               <p:par>
-                                <p:cTn id="16" presetID="14" presetClass="entr" presetSubtype="10" fill="hold" grpId="0" nodeType="withEffect">
+                                <p:cTn id="13" presetID="14" presetClass="entr" presetSubtype="10" fill="hold" grpId="0" nodeType="withEffect">
                                   <p:stCondLst>
                                     <p:cond delay="0"/>
                                   </p:stCondLst>
                                   <p:childTnLst>
                                     <p:set>
                                       <p:cBhvr>
-                                        <p:cTn id="17" dur="1" fill="hold">
+                                        <p:cTn id="14" dur="1" fill="hold">
                                           <p:stCondLst>
                                             <p:cond delay="0"/>
                                           </p:stCondLst>
@@ -4559,7 +4578,7 @@
                                     </p:set>
                                     <p:animEffect transition="in" filter="randombar(horizontal)">
                                       <p:cBhvr>
-                                        <p:cTn id="18" dur="500"/>
+                                        <p:cTn id="15" dur="500"/>
                                         <p:tgtEl>
                                           <p:spTgt spid="4"/>
                                         </p:tgtEl>
@@ -4575,26 +4594,26 @@
                     </p:cTn>
                   </p:par>
                   <p:par>
-                    <p:cTn id="19" fill="hold">
+                    <p:cTn id="16" fill="hold">
                       <p:stCondLst>
                         <p:cond delay="indefinite"/>
                       </p:stCondLst>
                       <p:childTnLst>
                         <p:par>
-                          <p:cTn id="20" fill="hold">
+                          <p:cTn id="17" fill="hold">
                             <p:stCondLst>
                               <p:cond delay="0"/>
                             </p:stCondLst>
                             <p:childTnLst>
                               <p:par>
-                                <p:cTn id="21" presetID="10" presetClass="entr" presetSubtype="0" fill="hold" nodeType="clickEffect">
+                                <p:cTn id="18" presetID="10" presetClass="entr" presetSubtype="0" fill="hold" nodeType="clickEffect">
                                   <p:stCondLst>
                                     <p:cond delay="0"/>
                                   </p:stCondLst>
                                   <p:childTnLst>
                                     <p:set>
                                       <p:cBhvr>
-                                        <p:cTn id="22" dur="1" fill="hold">
+                                        <p:cTn id="19" dur="1" fill="hold">
                                           <p:stCondLst>
                                             <p:cond delay="0"/>
                                           </p:stCondLst>
@@ -4612,7 +4631,7 @@
                                     </p:set>
                                     <p:animEffect transition="in" filter="fade">
                                       <p:cBhvr>
-                                        <p:cTn id="23" dur="500"/>
+                                        <p:cTn id="20" dur="500"/>
                                         <p:tgtEl>
                                           <p:spTgt spid="6"/>
                                         </p:tgtEl>
@@ -4622,14 +4641,14 @@
                                 </p:cTn>
                               </p:par>
                               <p:par>
-                                <p:cTn id="24" presetID="10" presetClass="entr" presetSubtype="0" fill="hold" grpId="0" nodeType="withEffect">
+                                <p:cTn id="21" presetID="10" presetClass="entr" presetSubtype="0" fill="hold" grpId="0" nodeType="withEffect">
                                   <p:stCondLst>
                                     <p:cond delay="0"/>
                                   </p:stCondLst>
                                   <p:childTnLst>
                                     <p:set>
                                       <p:cBhvr>
-                                        <p:cTn id="25" dur="1" fill="hold">
+                                        <p:cTn id="22" dur="1" fill="hold">
                                           <p:stCondLst>
                                             <p:cond delay="0"/>
                                           </p:stCondLst>
@@ -4647,7 +4666,7 @@
                                     </p:set>
                                     <p:animEffect transition="in" filter="fade">
                                       <p:cBhvr>
-                                        <p:cTn id="26" dur="500"/>
+                                        <p:cTn id="23" dur="500"/>
                                         <p:tgtEl>
                                           <p:spTgt spid="8"/>
                                         </p:tgtEl>
@@ -4663,26 +4682,26 @@
                     </p:cTn>
                   </p:par>
                   <p:par>
-                    <p:cTn id="27" fill="hold">
+                    <p:cTn id="24" fill="hold">
                       <p:stCondLst>
                         <p:cond delay="indefinite"/>
                       </p:stCondLst>
                       <p:childTnLst>
                         <p:par>
-                          <p:cTn id="28" fill="hold">
+                          <p:cTn id="25" fill="hold">
                             <p:stCondLst>
                               <p:cond delay="0"/>
                             </p:stCondLst>
                             <p:childTnLst>
                               <p:par>
-                                <p:cTn id="29" presetID="42" presetClass="entr" presetSubtype="0" fill="hold" nodeType="clickEffect">
+                                <p:cTn id="26" presetID="42" presetClass="entr" presetSubtype="0" fill="hold" nodeType="clickEffect">
                                   <p:stCondLst>
                                     <p:cond delay="0"/>
                                   </p:stCondLst>
                                   <p:childTnLst>
                                     <p:set>
                                       <p:cBhvr>
-                                        <p:cTn id="30" dur="1" fill="hold">
+                                        <p:cTn id="27" dur="1" fill="hold">
                                           <p:stCondLst>
                                             <p:cond delay="0"/>
                                           </p:stCondLst>
@@ -4700,7 +4719,7 @@
                                     </p:set>
                                     <p:animEffect transition="in" filter="fade">
                                       <p:cBhvr>
-                                        <p:cTn id="31" dur="1000"/>
+                                        <p:cTn id="28" dur="1000"/>
                                         <p:tgtEl>
                                           <p:spTgt spid="7"/>
                                         </p:tgtEl>
@@ -4708,7 +4727,7 @@
                                     </p:animEffect>
                                     <p:anim calcmode="lin" valueType="num">
                                       <p:cBhvr>
-                                        <p:cTn id="32" dur="1000" fill="hold"/>
+                                        <p:cTn id="29" dur="1000" fill="hold"/>
                                         <p:tgtEl>
                                           <p:spTgt spid="7"/>
                                         </p:tgtEl>
@@ -4731,7 +4750,7 @@
                                     </p:anim>
                                     <p:anim calcmode="lin" valueType="num">
                                       <p:cBhvr>
-                                        <p:cTn id="33" dur="1000" fill="hold"/>
+                                        <p:cTn id="30" dur="1000" fill="hold"/>
                                         <p:tgtEl>
                                           <p:spTgt spid="7"/>
                                         </p:tgtEl>
@@ -4756,14 +4775,14 @@
                                 </p:cTn>
                               </p:par>
                               <p:par>
-                                <p:cTn id="34" presetID="42" presetClass="entr" presetSubtype="0" fill="hold" grpId="0" nodeType="withEffect">
+                                <p:cTn id="31" presetID="42" presetClass="entr" presetSubtype="0" fill="hold" grpId="0" nodeType="withEffect">
                                   <p:stCondLst>
                                     <p:cond delay="0"/>
                                   </p:stCondLst>
                                   <p:childTnLst>
                                     <p:set>
                                       <p:cBhvr>
-                                        <p:cTn id="35" dur="1" fill="hold">
+                                        <p:cTn id="32" dur="1" fill="hold">
                                           <p:stCondLst>
                                             <p:cond delay="0"/>
                                           </p:stCondLst>
@@ -4781,7 +4800,7 @@
                                     </p:set>
                                     <p:animEffect transition="in" filter="fade">
                                       <p:cBhvr>
-                                        <p:cTn id="36" dur="1000"/>
+                                        <p:cTn id="33" dur="1000"/>
                                         <p:tgtEl>
                                           <p:spTgt spid="9"/>
                                         </p:tgtEl>
@@ -4789,7 +4808,7 @@
                                     </p:animEffect>
                                     <p:anim calcmode="lin" valueType="num">
                                       <p:cBhvr>
-                                        <p:cTn id="37" dur="1000" fill="hold"/>
+                                        <p:cTn id="34" dur="1000" fill="hold"/>
                                         <p:tgtEl>
                                           <p:spTgt spid="9"/>
                                         </p:tgtEl>
@@ -4812,7 +4831,7 @@
                                     </p:anim>
                                     <p:anim calcmode="lin" valueType="num">
                                       <p:cBhvr>
-                                        <p:cTn id="38" dur="1000" fill="hold"/>
+                                        <p:cTn id="35" dur="1000" fill="hold"/>
                                         <p:tgtEl>
                                           <p:spTgt spid="9"/>
                                         </p:tgtEl>
@@ -4843,26 +4862,26 @@
                     </p:cTn>
                   </p:par>
                   <p:par>
-                    <p:cTn id="39" fill="hold">
+                    <p:cTn id="36" fill="hold">
                       <p:stCondLst>
                         <p:cond delay="indefinite"/>
                       </p:stCondLst>
                       <p:childTnLst>
                         <p:par>
-                          <p:cTn id="40" fill="hold">
+                          <p:cTn id="37" fill="hold">
                             <p:stCondLst>
                               <p:cond delay="0"/>
                             </p:stCondLst>
                             <p:childTnLst>
                               <p:par>
-                                <p:cTn id="41" presetID="22" presetClass="entr" presetSubtype="4" fill="hold" grpId="0" nodeType="clickEffect">
+                                <p:cTn id="38" presetID="22" presetClass="entr" presetSubtype="4" fill="hold" grpId="0" nodeType="clickEffect">
                                   <p:stCondLst>
                                     <p:cond delay="0"/>
                                   </p:stCondLst>
                                   <p:childTnLst>
                                     <p:set>
                                       <p:cBhvr>
-                                        <p:cTn id="42" dur="1" fill="hold">
+                                        <p:cTn id="39" dur="1" fill="hold">
                                           <p:stCondLst>
                                             <p:cond delay="0"/>
                                           </p:stCondLst>
@@ -4880,7 +4899,7 @@
                                     </p:set>
                                     <p:animEffect transition="in" filter="wipe(down)">
                                       <p:cBhvr>
-                                        <p:cTn id="43" dur="500"/>
+                                        <p:cTn id="40" dur="500"/>
                                         <p:tgtEl>
                                           <p:spTgt spid="3"/>
                                         </p:tgtEl>
@@ -4890,14 +4909,14 @@
                                 </p:cTn>
                               </p:par>
                               <p:par>
-                                <p:cTn id="44" presetID="22" presetClass="entr" presetSubtype="4" fill="hold" nodeType="withEffect">
+                                <p:cTn id="41" presetID="22" presetClass="entr" presetSubtype="4" fill="hold" nodeType="withEffect">
                                   <p:stCondLst>
                                     <p:cond delay="0"/>
                                   </p:stCondLst>
                                   <p:childTnLst>
                                     <p:set>
                                       <p:cBhvr>
-                                        <p:cTn id="45" dur="1" fill="hold">
+                                        <p:cTn id="42" dur="1" fill="hold">
                                           <p:stCondLst>
                                             <p:cond delay="0"/>
                                           </p:stCondLst>
@@ -4915,7 +4934,7 @@
                                     </p:set>
                                     <p:animEffect transition="in" filter="wipe(down)">
                                       <p:cBhvr>
-                                        <p:cTn id="46" dur="500"/>
+                                        <p:cTn id="43" dur="500"/>
                                         <p:tgtEl>
                                           <p:spTgt spid="11"/>
                                         </p:tgtEl>
@@ -4961,7 +4980,98 @@
 </p:sld>
 </file>
 
-<file path=ppt/slides/slide5.xml><?xml version="1.0" encoding="utf-8"?>
+<file path=ppt/slides/slide6.xml><?xml version="1.0" encoding="utf-8"?>
+<p:sld xmlns:a="http://schemas.openxmlformats.org/drawingml/2006/main" xmlns:r="http://schemas.openxmlformats.org/officeDocument/2006/relationships" xmlns:p="http://schemas.openxmlformats.org/presentationml/2006/main">
+  <p:cSld>
+    <p:bg>
+      <p:bgPr>
+        <a:blipFill dpi="0" rotWithShape="1">
+          <a:blip r:embed="rId2">
+            <a:lum/>
+          </a:blip>
+          <a:srcRect/>
+          <a:stretch>
+            <a:fillRect/>
+          </a:stretch>
+        </a:blipFill>
+        <a:effectLst/>
+      </p:bgPr>
+    </p:bg>
+    <p:spTree>
+      <p:nvGrpSpPr>
+        <p:cNvPr id="1" name="">
+          <a:extLst>
+            <a:ext uri="{FF2B5EF4-FFF2-40B4-BE49-F238E27FC236}">
+              <a16:creationId xmlns:a16="http://schemas.microsoft.com/office/drawing/2014/main" id="{6F62CC8A-38B5-1A58-1CA9-808091CA0FDF}"/>
+            </a:ext>
+          </a:extLst>
+        </p:cNvPr>
+        <p:cNvGrpSpPr/>
+        <p:nvPr/>
+      </p:nvGrpSpPr>
+      <p:grpSpPr>
+        <a:xfrm>
+          <a:off x="0" y="0"/>
+          <a:ext cx="0" cy="0"/>
+          <a:chOff x="0" y="0"/>
+          <a:chExt cx="0" cy="0"/>
+        </a:xfrm>
+      </p:grpSpPr>
+      <p:sp>
+        <p:nvSpPr>
+          <p:cNvPr id="5" name="文本框 4">
+            <a:extLst>
+              <a:ext uri="{FF2B5EF4-FFF2-40B4-BE49-F238E27FC236}">
+                <a16:creationId xmlns:a16="http://schemas.microsoft.com/office/drawing/2014/main" id="{05083CEC-5AC2-27A6-972B-911A80039235}"/>
+              </a:ext>
+            </a:extLst>
+          </p:cNvPr>
+          <p:cNvSpPr txBox="1"/>
+          <p:nvPr/>
+        </p:nvSpPr>
+        <p:spPr>
+          <a:xfrm>
+            <a:off x="2717663" y="2844713"/>
+            <a:ext cx="7258639" cy="1754326"/>
+          </a:xfrm>
+          <a:prstGeom prst="rect">
+            <a:avLst/>
+          </a:prstGeom>
+          <a:noFill/>
+        </p:spPr>
+        <p:txBody>
+          <a:bodyPr wrap="square" rtlCol="0">
+            <a:spAutoFit/>
+          </a:bodyPr>
+          <a:lstStyle/>
+          <a:p>
+            <a:r>
+              <a:rPr lang="zh-CN" altLang="en-US" sz="3600" dirty="0">
+                <a:solidFill>
+                  <a:schemeClr val="bg1"/>
+                </a:solidFill>
+                <a:latin typeface="楷体" panose="02010609060101010101" pitchFamily="49" charset="-122"/>
+                <a:ea typeface="楷体" panose="02010609060101010101" pitchFamily="49" charset="-122"/>
+              </a:rPr>
+              <a:t>他们都在以自己的方式，承担着新时代的责任，书写着属于自己的新时代篇章</a:t>
+            </a:r>
+          </a:p>
+        </p:txBody>
+      </p:sp>
+    </p:spTree>
+    <p:extLst>
+      <p:ext uri="{BB962C8B-B14F-4D97-AF65-F5344CB8AC3E}">
+        <p14:creationId xmlns:p14="http://schemas.microsoft.com/office/powerpoint/2010/main" val="3614985252"/>
+      </p:ext>
+    </p:extLst>
+  </p:cSld>
+  <p:clrMapOvr>
+    <a:masterClrMapping/>
+  </p:clrMapOvr>
+</p:sld>
+</file>
+
+<file path=ppt/slides/slide7.xml><?xml version="1.0" encoding="utf-8"?>
 <p:sld xmlns:a="http://schemas.openxmlformats.org/drawingml/2006/main" xmlns:r="http://schemas.openxmlformats.org/officeDocument/2006/relationships" xmlns:p="http://schemas.openxmlformats.org/presentationml/2006/main">
   <p:cSld>
     <p:bg>
@@ -5006,8 +5116,8 @@
         </p:nvSpPr>
         <p:spPr>
           <a:xfrm>
-            <a:off x="252663" y="637674"/>
-            <a:ext cx="6066250" cy="646331"/>
+            <a:off x="252662" y="637674"/>
+            <a:ext cx="9050125" cy="369332"/>
           </a:xfrm>
           <a:prstGeom prst="rect">
             <a:avLst/>
@@ -5028,7 +5138,7 @@
                 <a:latin typeface="楷体" panose="02010609060101010101" pitchFamily="49" charset="-122"/>
                 <a:ea typeface="楷体" panose="02010609060101010101" pitchFamily="49" charset="-122"/>
               </a:rPr>
-              <a:t>那么对于我们大学生，又能够怎样书写我与新时代的故事呢</a:t>
+              <a:t>那么，作为青年大学生的我们，又能够怎样书写“我与新时代”的故事呢</a:t>
             </a:r>
             <a:endParaRPr lang="en-US" altLang="zh-CN" dirty="0">
               <a:solidFill>
@@ -5104,7 +5214,7 @@
                   <a:schemeClr val="bg1"/>
                 </a:solidFill>
               </a:rPr>
-              <a:t>可以，用脚步丈量祖国大地，助力家乡发展</a:t>
+              <a:t>我们可以，用脚步丈量祖国大地，在实践中助力家乡发展</a:t>
             </a:r>
             <a:endParaRPr lang="en-US" altLang="zh-CN" dirty="0">
               <a:solidFill>
@@ -5148,7 +5258,7 @@
                   <a:schemeClr val="bg1"/>
                 </a:solidFill>
               </a:rPr>
-              <a:t>可以，用知识攀登专业高峰，为科技自立自强贡献力量</a:t>
+              <a:t>我们可以，用知识攀登专业高峰，为科技自立自强贡献青春力量</a:t>
             </a:r>
           </a:p>
         </p:txBody>
@@ -5168,7 +5278,7 @@
         <p:spPr>
           <a:xfrm>
             <a:off x="8563970" y="2247634"/>
-            <a:ext cx="2279177" cy="923330"/>
+            <a:ext cx="2279177" cy="1200329"/>
           </a:xfrm>
           <a:prstGeom prst="rect">
             <a:avLst/>
@@ -5187,7 +5297,7 @@
                   <a:schemeClr val="bg1"/>
                 </a:solidFill>
               </a:rPr>
-              <a:t>可以，在平凡岗位上创造不凡，活出独属于自己的人生</a:t>
+              <a:t>我们可以，在看似平凡的岗位上创造不凡，活出独属于自己的精彩人生</a:t>
             </a:r>
             <a:endParaRPr lang="en-US" altLang="zh-CN" dirty="0">
               <a:solidFill>
@@ -5210,7 +5320,7 @@
 </p:sld>
 </file>
 
-<file path=ppt/slides/slide6.xml><?xml version="1.0" encoding="utf-8"?>
+<file path=ppt/slides/slide8.xml><?xml version="1.0" encoding="utf-8"?>
 <p:sld xmlns:a="http://schemas.openxmlformats.org/drawingml/2006/main" xmlns:r="http://schemas.openxmlformats.org/officeDocument/2006/relationships" xmlns:p="http://schemas.openxmlformats.org/presentationml/2006/main">
   <p:cSld>
     <p:bg>
@@ -5255,8 +5365,8 @@
         </p:nvSpPr>
         <p:spPr>
           <a:xfrm>
-            <a:off x="1516660" y="2040046"/>
-            <a:ext cx="8603154" cy="2308324"/>
+            <a:off x="1582365" y="889843"/>
+            <a:ext cx="8603154" cy="5355312"/>
           </a:xfrm>
           <a:prstGeom prst="rect">
             <a:avLst/>
@@ -5287,16 +5397,16 @@
               <a:defRPr/>
             </a:pPr>
             <a:r>
-              <a:rPr lang="zh-CN" altLang="en-US" sz="3600" dirty="0">
+              <a:rPr lang="zh-CN" altLang="en-US" dirty="0">
                 <a:solidFill>
                   <a:prstClr val="white"/>
                 </a:solidFill>
                 <a:latin typeface="楷体" panose="02010609060101010101" pitchFamily="49" charset="-122"/>
                 <a:ea typeface="楷体" panose="02010609060101010101" pitchFamily="49" charset="-122"/>
               </a:rPr>
-              <a:t>我们何其有幸，生在如此的新时代</a:t>
-            </a:r>
-            <a:endParaRPr lang="en-US" altLang="zh-CN" sz="3600" dirty="0">
+              <a:t>我们何其有幸，生逢这样一个伟大的新时代； </a:t>
+            </a:r>
+            <a:endParaRPr lang="en-US" altLang="zh-CN" dirty="0">
               <a:solidFill>
                 <a:prstClr val="white"/>
               </a:solidFill>
@@ -5323,23 +5433,463 @@
               <a:defRPr/>
             </a:pPr>
             <a:r>
-              <a:rPr kumimoji="0" lang="zh-CN" altLang="en-US" sz="3600" b="0" i="0" u="none" strike="noStrike" kern="1200" cap="none" spc="0" normalizeH="0" baseline="0" noProof="0" dirty="0">
-                <a:ln>
-                  <a:noFill/>
-                </a:ln>
+              <a:rPr lang="zh-CN" altLang="en-US" dirty="0">
                 <a:solidFill>
                   <a:prstClr val="white"/>
                 </a:solidFill>
-                <a:effectLst/>
-                <a:uLnTx/>
-                <a:uFillTx/>
                 <a:latin typeface="楷体" panose="02010609060101010101" pitchFamily="49" charset="-122"/>
                 <a:ea typeface="楷体" panose="02010609060101010101" pitchFamily="49" charset="-122"/>
-                <a:cs typeface="+mn-cs"/>
               </a:rPr>
-              <a:t>我们又何其有幸，能够在未来继续书写下和新时代的动人篇章</a:t>
-            </a:r>
-            <a:endParaRPr kumimoji="0" lang="en-US" altLang="zh-CN" sz="3600" b="0" i="0" u="none" strike="noStrike" kern="1200" cap="none" spc="0" normalizeH="0" baseline="0" noProof="0" dirty="0">
+              <a:t>我们又何其有幸，得以在未来的岁月里，与时代同频共振，续写一个又一个崭新的篇章。 </a:t>
+            </a:r>
+            <a:endParaRPr lang="en-US" altLang="zh-CN" dirty="0">
+              <a:solidFill>
+                <a:prstClr val="white"/>
+              </a:solidFill>
+              <a:latin typeface="楷体" panose="02010609060101010101" pitchFamily="49" charset="-122"/>
+              <a:ea typeface="楷体" panose="02010609060101010101" pitchFamily="49" charset="-122"/>
+            </a:endParaRPr>
+          </a:p>
+          <a:p>
+            <a:pPr marL="0" marR="0" lvl="0" indent="0" algn="l" defTabSz="914400" rtl="0" eaLnBrk="1" fontAlgn="auto" latinLnBrk="0" hangingPunct="1">
+              <a:lnSpc>
+                <a:spcPct val="100000"/>
+              </a:lnSpc>
+              <a:spcBef>
+                <a:spcPts val="0"/>
+              </a:spcBef>
+              <a:spcAft>
+                <a:spcPts val="0"/>
+              </a:spcAft>
+              <a:buClrTx/>
+              <a:buSzTx/>
+              <a:buFontTx/>
+              <a:buNone/>
+              <a:tabLst/>
+              <a:defRPr/>
+            </a:pPr>
+            <a:r>
+              <a:rPr lang="zh-CN" altLang="en-US" dirty="0">
+                <a:solidFill>
+                  <a:prstClr val="white"/>
+                </a:solidFill>
+                <a:latin typeface="楷体" panose="02010609060101010101" pitchFamily="49" charset="-122"/>
+                <a:ea typeface="楷体" panose="02010609060101010101" pitchFamily="49" charset="-122"/>
+              </a:rPr>
+              <a:t>此时此刻，我们不只是握紧手中的笔， 更是握紧了属于新青年的使命与方向。 </a:t>
+            </a:r>
+            <a:endParaRPr lang="en-US" altLang="zh-CN" dirty="0">
+              <a:solidFill>
+                <a:prstClr val="white"/>
+              </a:solidFill>
+              <a:latin typeface="楷体" panose="02010609060101010101" pitchFamily="49" charset="-122"/>
+              <a:ea typeface="楷体" panose="02010609060101010101" pitchFamily="49" charset="-122"/>
+            </a:endParaRPr>
+          </a:p>
+          <a:p>
+            <a:pPr marL="0" marR="0" lvl="0" indent="0" algn="l" defTabSz="914400" rtl="0" eaLnBrk="1" fontAlgn="auto" latinLnBrk="0" hangingPunct="1">
+              <a:lnSpc>
+                <a:spcPct val="100000"/>
+              </a:lnSpc>
+              <a:spcBef>
+                <a:spcPts val="0"/>
+              </a:spcBef>
+              <a:spcAft>
+                <a:spcPts val="0"/>
+              </a:spcAft>
+              <a:buClrTx/>
+              <a:buSzTx/>
+              <a:buFontTx/>
+              <a:buNone/>
+              <a:tabLst/>
+              <a:defRPr/>
+            </a:pPr>
+            <a:r>
+              <a:rPr lang="zh-CN" altLang="en-US" dirty="0">
+                <a:solidFill>
+                  <a:prstClr val="white"/>
+                </a:solidFill>
+                <a:latin typeface="楷体" panose="02010609060101010101" pitchFamily="49" charset="-122"/>
+                <a:ea typeface="楷体" panose="02010609060101010101" pitchFamily="49" charset="-122"/>
+              </a:rPr>
+              <a:t>新时代的壮丽画卷，正从我们脚下铺展到天际。 </a:t>
+            </a:r>
+            <a:endParaRPr lang="en-US" altLang="zh-CN" dirty="0">
+              <a:solidFill>
+                <a:prstClr val="white"/>
+              </a:solidFill>
+              <a:latin typeface="楷体" panose="02010609060101010101" pitchFamily="49" charset="-122"/>
+              <a:ea typeface="楷体" panose="02010609060101010101" pitchFamily="49" charset="-122"/>
+            </a:endParaRPr>
+          </a:p>
+          <a:p>
+            <a:pPr marL="0" marR="0" lvl="0" indent="0" algn="l" defTabSz="914400" rtl="0" eaLnBrk="1" fontAlgn="auto" latinLnBrk="0" hangingPunct="1">
+              <a:lnSpc>
+                <a:spcPct val="100000"/>
+              </a:lnSpc>
+              <a:spcBef>
+                <a:spcPts val="0"/>
+              </a:spcBef>
+              <a:spcAft>
+                <a:spcPts val="0"/>
+              </a:spcAft>
+              <a:buClrTx/>
+              <a:buSzTx/>
+              <a:buFontTx/>
+              <a:buNone/>
+              <a:tabLst/>
+              <a:defRPr/>
+            </a:pPr>
+            <a:r>
+              <a:rPr lang="zh-CN" altLang="en-US" dirty="0">
+                <a:solidFill>
+                  <a:prstClr val="white"/>
+                </a:solidFill>
+                <a:latin typeface="楷体" panose="02010609060101010101" pitchFamily="49" charset="-122"/>
+                <a:ea typeface="楷体" panose="02010609060101010101" pitchFamily="49" charset="-122"/>
+              </a:rPr>
+              <a:t>笔在我们手中，这一笔，落下的是青春的誓言；</a:t>
+            </a:r>
+          </a:p>
+          <a:p>
+            <a:pPr marL="0" marR="0" lvl="0" indent="0" algn="l" defTabSz="914400" rtl="0" eaLnBrk="1" fontAlgn="auto" latinLnBrk="0" hangingPunct="1">
+              <a:lnSpc>
+                <a:spcPct val="100000"/>
+              </a:lnSpc>
+              <a:spcBef>
+                <a:spcPts val="0"/>
+              </a:spcBef>
+              <a:spcAft>
+                <a:spcPts val="0"/>
+              </a:spcAft>
+              <a:buClrTx/>
+              <a:buSzTx/>
+              <a:buFontTx/>
+              <a:buNone/>
+              <a:tabLst/>
+              <a:defRPr/>
+            </a:pPr>
+            <a:r>
+              <a:rPr lang="zh-CN" altLang="en-US" dirty="0">
+                <a:solidFill>
+                  <a:prstClr val="white"/>
+                </a:solidFill>
+                <a:latin typeface="楷体" panose="02010609060101010101" pitchFamily="49" charset="-122"/>
+                <a:ea typeface="楷体" panose="02010609060101010101" pitchFamily="49" charset="-122"/>
+              </a:rPr>
+              <a:t>我们何其有幸，生逢这样一个伟大的新时代；</a:t>
+            </a:r>
+          </a:p>
+          <a:p>
+            <a:pPr marL="0" marR="0" lvl="0" indent="0" algn="l" defTabSz="914400" rtl="0" eaLnBrk="1" fontAlgn="auto" latinLnBrk="0" hangingPunct="1">
+              <a:lnSpc>
+                <a:spcPct val="100000"/>
+              </a:lnSpc>
+              <a:spcBef>
+                <a:spcPts val="0"/>
+              </a:spcBef>
+              <a:spcAft>
+                <a:spcPts val="0"/>
+              </a:spcAft>
+              <a:buClrTx/>
+              <a:buSzTx/>
+              <a:buFontTx/>
+              <a:buNone/>
+              <a:tabLst/>
+              <a:defRPr/>
+            </a:pPr>
+            <a:r>
+              <a:rPr lang="zh-CN" altLang="en-US" dirty="0">
+                <a:solidFill>
+                  <a:prstClr val="white"/>
+                </a:solidFill>
+                <a:latin typeface="楷体" panose="02010609060101010101" pitchFamily="49" charset="-122"/>
+                <a:ea typeface="楷体" panose="02010609060101010101" pitchFamily="49" charset="-122"/>
+              </a:rPr>
+              <a:t>我们又何其有幸，得以在未来的岁月里，与时代同频共振，续写一个又一个崭新的篇章。</a:t>
+            </a:r>
+          </a:p>
+          <a:p>
+            <a:pPr marL="0" marR="0" lvl="0" indent="0" algn="l" defTabSz="914400" rtl="0" eaLnBrk="1" fontAlgn="auto" latinLnBrk="0" hangingPunct="1">
+              <a:lnSpc>
+                <a:spcPct val="100000"/>
+              </a:lnSpc>
+              <a:spcBef>
+                <a:spcPts val="0"/>
+              </a:spcBef>
+              <a:spcAft>
+                <a:spcPts val="0"/>
+              </a:spcAft>
+              <a:buClrTx/>
+              <a:buSzTx/>
+              <a:buFontTx/>
+              <a:buNone/>
+              <a:tabLst/>
+              <a:defRPr/>
+            </a:pPr>
+            <a:endParaRPr lang="zh-CN" altLang="en-US" dirty="0">
+              <a:solidFill>
+                <a:prstClr val="white"/>
+              </a:solidFill>
+              <a:latin typeface="楷体" panose="02010609060101010101" pitchFamily="49" charset="-122"/>
+              <a:ea typeface="楷体" panose="02010609060101010101" pitchFamily="49" charset="-122"/>
+            </a:endParaRPr>
+          </a:p>
+          <a:p>
+            <a:pPr marL="0" marR="0" lvl="0" indent="0" algn="l" defTabSz="914400" rtl="0" eaLnBrk="1" fontAlgn="auto" latinLnBrk="0" hangingPunct="1">
+              <a:lnSpc>
+                <a:spcPct val="100000"/>
+              </a:lnSpc>
+              <a:spcBef>
+                <a:spcPts val="0"/>
+              </a:spcBef>
+              <a:spcAft>
+                <a:spcPts val="0"/>
+              </a:spcAft>
+              <a:buClrTx/>
+              <a:buSzTx/>
+              <a:buFontTx/>
+              <a:buNone/>
+              <a:tabLst/>
+              <a:defRPr/>
+            </a:pPr>
+            <a:r>
+              <a:rPr lang="zh-CN" altLang="en-US" dirty="0">
+                <a:solidFill>
+                  <a:prstClr val="white"/>
+                </a:solidFill>
+                <a:latin typeface="楷体" panose="02010609060101010101" pitchFamily="49" charset="-122"/>
+                <a:ea typeface="楷体" panose="02010609060101010101" pitchFamily="49" charset="-122"/>
+              </a:rPr>
+              <a:t>此时此刻，我们不只是握紧手中的笔，</a:t>
+            </a:r>
+          </a:p>
+          <a:p>
+            <a:pPr marL="0" marR="0" lvl="0" indent="0" algn="l" defTabSz="914400" rtl="0" eaLnBrk="1" fontAlgn="auto" latinLnBrk="0" hangingPunct="1">
+              <a:lnSpc>
+                <a:spcPct val="100000"/>
+              </a:lnSpc>
+              <a:spcBef>
+                <a:spcPts val="0"/>
+              </a:spcBef>
+              <a:spcAft>
+                <a:spcPts val="0"/>
+              </a:spcAft>
+              <a:buClrTx/>
+              <a:buSzTx/>
+              <a:buFontTx/>
+              <a:buNone/>
+              <a:tabLst/>
+              <a:defRPr/>
+            </a:pPr>
+            <a:r>
+              <a:rPr lang="zh-CN" altLang="en-US" dirty="0">
+                <a:solidFill>
+                  <a:prstClr val="white"/>
+                </a:solidFill>
+                <a:latin typeface="楷体" panose="02010609060101010101" pitchFamily="49" charset="-122"/>
+                <a:ea typeface="楷体" panose="02010609060101010101" pitchFamily="49" charset="-122"/>
+              </a:rPr>
+              <a:t>更是握紧了属于新青年的使命与方向。</a:t>
+            </a:r>
+          </a:p>
+          <a:p>
+            <a:pPr marL="0" marR="0" lvl="0" indent="0" algn="l" defTabSz="914400" rtl="0" eaLnBrk="1" fontAlgn="auto" latinLnBrk="0" hangingPunct="1">
+              <a:lnSpc>
+                <a:spcPct val="100000"/>
+              </a:lnSpc>
+              <a:spcBef>
+                <a:spcPts val="0"/>
+              </a:spcBef>
+              <a:spcAft>
+                <a:spcPts val="0"/>
+              </a:spcAft>
+              <a:buClrTx/>
+              <a:buSzTx/>
+              <a:buFontTx/>
+              <a:buNone/>
+              <a:tabLst/>
+              <a:defRPr/>
+            </a:pPr>
+            <a:r>
+              <a:rPr lang="zh-CN" altLang="en-US" dirty="0">
+                <a:solidFill>
+                  <a:prstClr val="white"/>
+                </a:solidFill>
+                <a:latin typeface="楷体" panose="02010609060101010101" pitchFamily="49" charset="-122"/>
+                <a:ea typeface="楷体" panose="02010609060101010101" pitchFamily="49" charset="-122"/>
+              </a:rPr>
+              <a:t>新时代的壮丽画卷，正从我们脚下铺展到天际。</a:t>
+            </a:r>
+          </a:p>
+          <a:p>
+            <a:pPr marL="0" marR="0" lvl="0" indent="0" algn="l" defTabSz="914400" rtl="0" eaLnBrk="1" fontAlgn="auto" latinLnBrk="0" hangingPunct="1">
+              <a:lnSpc>
+                <a:spcPct val="100000"/>
+              </a:lnSpc>
+              <a:spcBef>
+                <a:spcPts val="0"/>
+              </a:spcBef>
+              <a:spcAft>
+                <a:spcPts val="0"/>
+              </a:spcAft>
+              <a:buClrTx/>
+              <a:buSzTx/>
+              <a:buFontTx/>
+              <a:buNone/>
+              <a:tabLst/>
+              <a:defRPr/>
+            </a:pPr>
+            <a:endParaRPr lang="zh-CN" altLang="en-US" dirty="0">
+              <a:solidFill>
+                <a:prstClr val="white"/>
+              </a:solidFill>
+              <a:latin typeface="楷体" panose="02010609060101010101" pitchFamily="49" charset="-122"/>
+              <a:ea typeface="楷体" panose="02010609060101010101" pitchFamily="49" charset="-122"/>
+            </a:endParaRPr>
+          </a:p>
+          <a:p>
+            <a:pPr marL="0" marR="0" lvl="0" indent="0" algn="l" defTabSz="914400" rtl="0" eaLnBrk="1" fontAlgn="auto" latinLnBrk="0" hangingPunct="1">
+              <a:lnSpc>
+                <a:spcPct val="100000"/>
+              </a:lnSpc>
+              <a:spcBef>
+                <a:spcPts val="0"/>
+              </a:spcBef>
+              <a:spcAft>
+                <a:spcPts val="0"/>
+              </a:spcAft>
+              <a:buClrTx/>
+              <a:buSzTx/>
+              <a:buFontTx/>
+              <a:buNone/>
+              <a:tabLst/>
+              <a:defRPr/>
+            </a:pPr>
+            <a:r>
+              <a:rPr lang="zh-CN" altLang="en-US" dirty="0">
+                <a:solidFill>
+                  <a:prstClr val="white"/>
+                </a:solidFill>
+                <a:latin typeface="楷体" panose="02010609060101010101" pitchFamily="49" charset="-122"/>
+                <a:ea typeface="楷体" panose="02010609060101010101" pitchFamily="49" charset="-122"/>
+              </a:rPr>
+              <a:t>笔在我们手中，这一笔，落下的是青春的誓言；</a:t>
+            </a:r>
+          </a:p>
+          <a:p>
+            <a:pPr marL="0" marR="0" lvl="0" indent="0" algn="l" defTabSz="914400" rtl="0" eaLnBrk="1" fontAlgn="auto" latinLnBrk="0" hangingPunct="1">
+              <a:lnSpc>
+                <a:spcPct val="100000"/>
+              </a:lnSpc>
+              <a:spcBef>
+                <a:spcPts val="0"/>
+              </a:spcBef>
+              <a:spcAft>
+                <a:spcPts val="0"/>
+              </a:spcAft>
+              <a:buClrTx/>
+              <a:buSzTx/>
+              <a:buFontTx/>
+              <a:buNone/>
+              <a:tabLst/>
+              <a:defRPr/>
+            </a:pPr>
+            <a:r>
+              <a:rPr lang="zh-CN" altLang="en-US" dirty="0">
+                <a:solidFill>
+                  <a:prstClr val="white"/>
+                </a:solidFill>
+                <a:latin typeface="楷体" panose="02010609060101010101" pitchFamily="49" charset="-122"/>
+                <a:ea typeface="楷体" panose="02010609060101010101" pitchFamily="49" charset="-122"/>
+              </a:rPr>
+              <a:t>这一笔，描摹的是家国的远方。</a:t>
+            </a:r>
+          </a:p>
+          <a:p>
+            <a:pPr marL="0" marR="0" lvl="0" indent="0" algn="l" defTabSz="914400" rtl="0" eaLnBrk="1" fontAlgn="auto" latinLnBrk="0" hangingPunct="1">
+              <a:lnSpc>
+                <a:spcPct val="100000"/>
+              </a:lnSpc>
+              <a:spcBef>
+                <a:spcPts val="0"/>
+              </a:spcBef>
+              <a:spcAft>
+                <a:spcPts val="0"/>
+              </a:spcAft>
+              <a:buClrTx/>
+              <a:buSzTx/>
+              <a:buFontTx/>
+              <a:buNone/>
+              <a:tabLst/>
+              <a:defRPr/>
+            </a:pPr>
+            <a:endParaRPr lang="zh-CN" altLang="en-US" dirty="0">
+              <a:solidFill>
+                <a:prstClr val="white"/>
+              </a:solidFill>
+              <a:latin typeface="楷体" panose="02010609060101010101" pitchFamily="49" charset="-122"/>
+              <a:ea typeface="楷体" panose="02010609060101010101" pitchFamily="49" charset="-122"/>
+            </a:endParaRPr>
+          </a:p>
+          <a:p>
+            <a:pPr marL="0" marR="0" lvl="0" indent="0" algn="l" defTabSz="914400" rtl="0" eaLnBrk="1" fontAlgn="auto" latinLnBrk="0" hangingPunct="1">
+              <a:lnSpc>
+                <a:spcPct val="100000"/>
+              </a:lnSpc>
+              <a:spcBef>
+                <a:spcPts val="0"/>
+              </a:spcBef>
+              <a:spcAft>
+                <a:spcPts val="0"/>
+              </a:spcAft>
+              <a:buClrTx/>
+              <a:buSzTx/>
+              <a:buFontTx/>
+              <a:buNone/>
+              <a:tabLst/>
+              <a:defRPr/>
+            </a:pPr>
+            <a:r>
+              <a:rPr lang="zh-CN" altLang="en-US" dirty="0">
+                <a:solidFill>
+                  <a:prstClr val="white"/>
+                </a:solidFill>
+                <a:latin typeface="楷体" panose="02010609060101010101" pitchFamily="49" charset="-122"/>
+                <a:ea typeface="楷体" panose="02010609060101010101" pitchFamily="49" charset="-122"/>
+              </a:rPr>
+              <a:t>笔已在手，正当其时；</a:t>
+            </a:r>
+          </a:p>
+          <a:p>
+            <a:pPr marL="0" marR="0" lvl="0" indent="0" algn="l" defTabSz="914400" rtl="0" eaLnBrk="1" fontAlgn="auto" latinLnBrk="0" hangingPunct="1">
+              <a:lnSpc>
+                <a:spcPct val="100000"/>
+              </a:lnSpc>
+              <a:spcBef>
+                <a:spcPts val="0"/>
+              </a:spcBef>
+              <a:spcAft>
+                <a:spcPts val="0"/>
+              </a:spcAft>
+              <a:buClrTx/>
+              <a:buSzTx/>
+              <a:buFontTx/>
+              <a:buNone/>
+              <a:tabLst/>
+              <a:defRPr/>
+            </a:pPr>
+            <a:r>
+              <a:rPr lang="zh-CN" altLang="en-US" dirty="0">
+                <a:solidFill>
+                  <a:prstClr val="white"/>
+                </a:solidFill>
+                <a:latin typeface="楷体" panose="02010609060101010101" pitchFamily="49" charset="-122"/>
+                <a:ea typeface="楷体" panose="02010609060101010101" pitchFamily="49" charset="-122"/>
+              </a:rPr>
+              <a:t>当书写者挺身而出，时代，必将记住我们的名字。</a:t>
+            </a:r>
+            <a:endParaRPr kumimoji="0" lang="zh-CN" altLang="en-US" b="0" i="0" u="none" strike="noStrike" kern="1200" cap="none" spc="0" normalizeH="0" baseline="0" noProof="0" dirty="0">
               <a:ln>
                 <a:noFill/>
               </a:ln>
@@ -5354,49 +5904,6 @@
               <a:cs typeface="+mn-cs"/>
             </a:endParaRPr>
           </a:p>
-          <a:p>
-            <a:pPr marL="0" marR="0" lvl="0" indent="0" algn="l" defTabSz="914400" rtl="0" eaLnBrk="1" fontAlgn="auto" latinLnBrk="0" hangingPunct="1">
-              <a:lnSpc>
-                <a:spcPct val="100000"/>
-              </a:lnSpc>
-              <a:spcBef>
-                <a:spcPts val="0"/>
-              </a:spcBef>
-              <a:spcAft>
-                <a:spcPts val="0"/>
-              </a:spcAft>
-              <a:buClrTx/>
-              <a:buSzTx/>
-              <a:buFontTx/>
-              <a:buNone/>
-              <a:tabLst/>
-              <a:defRPr/>
-            </a:pPr>
-            <a:r>
-              <a:rPr lang="zh-CN" altLang="en-US" sz="3600" dirty="0">
-                <a:solidFill>
-                  <a:prstClr val="white"/>
-                </a:solidFill>
-                <a:latin typeface="楷体" panose="02010609060101010101" pitchFamily="49" charset="-122"/>
-                <a:ea typeface="楷体" panose="02010609060101010101" pitchFamily="49" charset="-122"/>
-              </a:rPr>
-              <a:t>我们笔已在手，正当其时</a:t>
-            </a:r>
-            <a:endParaRPr kumimoji="0" lang="zh-CN" altLang="en-US" sz="3600" b="0" i="0" u="none" strike="noStrike" kern="1200" cap="none" spc="0" normalizeH="0" baseline="0" noProof="0" dirty="0">
-              <a:ln>
-                <a:noFill/>
-              </a:ln>
-              <a:solidFill>
-                <a:prstClr val="white"/>
-              </a:solidFill>
-              <a:effectLst/>
-              <a:uLnTx/>
-              <a:uFillTx/>
-              <a:latin typeface="楷体" panose="02010609060101010101" pitchFamily="49" charset="-122"/>
-              <a:ea typeface="楷体" panose="02010609060101010101" pitchFamily="49" charset="-122"/>
-              <a:cs typeface="+mn-cs"/>
-            </a:endParaRPr>
-          </a:p>
         </p:txBody>
       </p:sp>
     </p:spTree>
@@ -5412,7 +5919,7 @@
 </p:sld>
 </file>
 
-<file path=ppt/slides/slide7.xml><?xml version="1.0" encoding="utf-8"?>
+<file path=ppt/slides/slide9.xml><?xml version="1.0" encoding="utf-8"?>
 <p:sld xmlns:a="http://schemas.openxmlformats.org/drawingml/2006/main" xmlns:r="http://schemas.openxmlformats.org/officeDocument/2006/relationships" xmlns:p="http://schemas.openxmlformats.org/presentationml/2006/main">
   <p:cSld>
     <p:bg>
